--- a/html/static/android_basics_lecture_april_6th.pptx
+++ b/html/static/android_basics_lecture_april_6th.pptx
@@ -13,10 +13,10 @@
     <p:sldId id="272" r:id="rId4"/>
     <p:sldId id="273" r:id="rId5"/>
     <p:sldId id="274" r:id="rId6"/>
-    <p:sldId id="275" r:id="rId7"/>
-    <p:sldId id="276" r:id="rId8"/>
-    <p:sldId id="277" r:id="rId9"/>
-    <p:sldId id="278" r:id="rId10"/>
+    <p:sldId id="278" r:id="rId7"/>
+    <p:sldId id="275" r:id="rId8"/>
+    <p:sldId id="276" r:id="rId9"/>
+    <p:sldId id="277" r:id="rId10"/>
     <p:sldId id="280" r:id="rId11"/>
     <p:sldId id="279" r:id="rId12"/>
     <p:sldId id="281" r:id="rId13"/>
@@ -3795,19 +3795,11 @@
             </a:pPr>
             <a:r>
               <a:rPr lang="en-US" sz="5400" dirty="0" smtClean="0"/>
-              <a:t>Android </a:t>
+              <a:t>Android App </a:t>
             </a:r>
             <a:r>
               <a:rPr lang="en-US" sz="5400" dirty="0" smtClean="0"/>
-              <a:t>App </a:t>
-            </a:r>
-            <a:r>
-              <a:rPr lang="en-US" sz="5400" dirty="0" err="1" smtClean="0"/>
-              <a:t>Dev</a:t>
-            </a:r>
-            <a:r>
-              <a:rPr lang="en-US" sz="5400" dirty="0" smtClean="0"/>
-              <a:t> </a:t>
+              <a:t>Dev. </a:t>
             </a:r>
             <a:r>
               <a:rPr lang="en-US" sz="5400" dirty="0" smtClean="0"/>
@@ -3847,11 +3839,7 @@
             </a:pPr>
             <a:r>
               <a:rPr lang="en-US" dirty="0" smtClean="0"/>
-              <a:t>April 2014 – Yossi </a:t>
-            </a:r>
-            <a:r>
-              <a:rPr lang="en-US" dirty="0" err="1" smtClean="0"/>
-              <a:t>Shmulevitch</a:t>
+              <a:t>April 2014 – Yossi Shmulevitch</a:t>
             </a:r>
             <a:endParaRPr lang="en" dirty="0"/>
           </a:p>
@@ -4033,9 +4021,12 @@
               <a:buChar char="•"/>
             </a:pPr>
             <a:r>
-              <a:rPr lang="en-US" sz="1800" dirty="0" smtClean="0"/>
+              <a:rPr lang="en-US" sz="1800" dirty="0" smtClean="0">
+                <a:hlinkClick r:id="rId3"/>
+              </a:rPr>
               <a:t>Relative layout</a:t>
             </a:r>
+            <a:endParaRPr lang="en-US" sz="1800" dirty="0" smtClean="0"/>
           </a:p>
           <a:p>
             <a:pPr marL="1047750" lvl="1" indent="-457200" rtl="1">
@@ -4043,9 +4034,12 @@
               <a:buChar char="•"/>
             </a:pPr>
             <a:r>
-              <a:rPr lang="en-US" sz="1800" dirty="0" smtClean="0"/>
+              <a:rPr lang="en-US" sz="1800" dirty="0" smtClean="0">
+                <a:hlinkClick r:id="rId4"/>
+              </a:rPr>
               <a:t>Linear Layout</a:t>
             </a:r>
+            <a:endParaRPr lang="en-US" sz="1800" dirty="0" smtClean="0"/>
           </a:p>
           <a:p>
             <a:pPr marL="1047750" lvl="1" indent="-457200" rtl="1">
@@ -4054,11 +4048,7 @@
             </a:pPr>
             <a:r>
               <a:rPr lang="en-US" sz="1800" dirty="0" err="1" smtClean="0"/>
-              <a:t>Absolute</a:t>
-            </a:r>
-            <a:r>
-              <a:rPr lang="en-US" sz="1800" dirty="0" err="1" smtClean="0"/>
-              <a:t>Layout</a:t>
+              <a:t>AbsoluteLayout</a:t>
             </a:r>
             <a:endParaRPr lang="en-US" sz="1800" dirty="0" smtClean="0"/>
           </a:p>
@@ -4069,11 +4059,7 @@
             </a:pPr>
             <a:r>
               <a:rPr lang="en-US" sz="2400" dirty="0"/>
-              <a:t>Padding</a:t>
-            </a:r>
-            <a:r>
-              <a:rPr lang="en-US" sz="2400" dirty="0"/>
-              <a:t> &amp; </a:t>
+              <a:t>Padding &amp; </a:t>
             </a:r>
             <a:r>
               <a:rPr lang="en-US" sz="2400" dirty="0" smtClean="0"/>
@@ -4274,7 +4260,7 @@
           <p:nvPr/>
         </p:nvPicPr>
         <p:blipFill>
-          <a:blip r:embed="rId3"/>
+          <a:blip r:embed="rId5"/>
           <a:stretch>
             <a:fillRect/>
           </a:stretch>
@@ -5118,7 +5104,6 @@
               <a:rPr lang="en-US" sz="2800" dirty="0" smtClean="0"/>
               <a:t>REST</a:t>
             </a:r>
-            <a:endParaRPr lang="en-US" sz="2800" dirty="0" smtClean="0"/>
           </a:p>
           <a:p>
             <a:pPr marL="647700" lvl="0" indent="-457200" rtl="1">
@@ -5594,7 +5579,6 @@
               <a:rPr lang="en-US" sz="2800" dirty="0" smtClean="0"/>
               <a:t>?</a:t>
             </a:r>
-            <a:endParaRPr lang="en-US" sz="2800" dirty="0" smtClean="0"/>
           </a:p>
           <a:p>
             <a:pPr marL="647700" lvl="0" indent="-457200" rtl="1">
@@ -5605,7 +5589,6 @@
               <a:rPr lang="en-US" sz="2800" dirty="0" smtClean="0"/>
               <a:t>In-App Purchases?</a:t>
             </a:r>
-            <a:endParaRPr lang="en-US" sz="2800" dirty="0" smtClean="0"/>
           </a:p>
           <a:p>
             <a:pPr marL="647700" lvl="0" indent="-457200" rtl="1">
@@ -6583,6 +6566,30 @@
           </a:p>
         </p:txBody>
       </p:sp>
+      <p:pic>
+        <p:nvPicPr>
+          <p:cNvPr id="2" name="Picture 1"/>
+          <p:cNvPicPr>
+            <a:picLocks noChangeAspect="1"/>
+          </p:cNvPicPr>
+          <p:nvPr/>
+        </p:nvPicPr>
+        <p:blipFill>
+          <a:blip r:embed="rId3"/>
+          <a:stretch>
+            <a:fillRect/>
+          </a:stretch>
+        </p:blipFill>
+        <p:spPr>
+          <a:xfrm>
+            <a:off x="5194300" y="1785705"/>
+            <a:ext cx="3949700" cy="2057400"/>
+          </a:xfrm>
+          <a:prstGeom prst="rect">
+            <a:avLst/>
+          </a:prstGeom>
+        </p:spPr>
+      </p:pic>
     </p:spTree>
     <p:extLst>
       <p:ext uri="{BB962C8B-B14F-4D97-AF65-F5344CB8AC3E}">
@@ -6989,14 +6996,12 @@
           </a:bodyPr>
           <a:lstStyle/>
           <a:p>
-            <a:pPr marL="457200" indent="0" algn="ctr">
-              <a:buNone/>
-            </a:pPr>
+            <a:pPr marL="647700" lvl="0" indent="-457200" algn="ctr" rtl="1"/>
             <a:r>
               <a:rPr lang="en-US" dirty="0" smtClean="0"/>
-              <a:t>Eclipse and Android SDK</a:t>
-            </a:r>
-            <a:endParaRPr lang="en" dirty="0"/>
+              <a:t>Android - Architecture</a:t>
+            </a:r>
+            <a:endParaRPr lang="en-US" dirty="0"/>
           </a:p>
         </p:txBody>
       </p:sp>
@@ -7025,71 +7030,143 @@
           </a:bodyPr>
           <a:lstStyle/>
           <a:p>
-            <a:pPr marL="647700" lvl="0" indent="-457200" rtl="1">
-              <a:buFont typeface="Arial"/>
-              <a:buChar char="•"/>
-            </a:pPr>
-            <a:r>
-              <a:rPr lang="en-US" sz="2800" dirty="0" smtClean="0"/>
-              <a:t>DDMS perspective</a:t>
-            </a:r>
-          </a:p>
-          <a:p>
-            <a:pPr marL="647700" lvl="0" indent="-457200" rtl="1">
-              <a:buFont typeface="Arial"/>
-              <a:buChar char="•"/>
-            </a:pPr>
-            <a:r>
-              <a:rPr lang="en-US" sz="2800" dirty="0" smtClean="0"/>
-              <a:t>Android SDK </a:t>
-            </a:r>
-          </a:p>
-          <a:p>
-            <a:pPr marL="647700" lvl="0" indent="-457200" rtl="1">
-              <a:buFont typeface="Arial"/>
-              <a:buChar char="•"/>
-            </a:pPr>
-            <a:r>
-              <a:rPr lang="en-US" sz="2800" dirty="0" smtClean="0"/>
-              <a:t>Devices – API Level</a:t>
-            </a:r>
-          </a:p>
-          <a:p>
-            <a:pPr marL="647700" lvl="0" indent="-457200" rtl="1">
+            <a:pPr marL="647700" indent="-457200" rtl="1">
+              <a:buFont typeface="Arial"/>
+              <a:buChar char="•"/>
+            </a:pPr>
+            <a:endParaRPr lang="en-US" sz="2400" dirty="0" smtClean="0"/>
+          </a:p>
+          <a:p>
+            <a:pPr marL="647700" indent="-457200" rtl="1">
+              <a:buFont typeface="Arial"/>
+              <a:buChar char="•"/>
+            </a:pPr>
+            <a:r>
+              <a:rPr lang="en-US" sz="2400" dirty="0" smtClean="0"/>
+              <a:t>Linux</a:t>
+            </a:r>
+          </a:p>
+          <a:p>
+            <a:pPr marL="647700" indent="-457200" rtl="1">
+              <a:buFont typeface="Arial"/>
+              <a:buChar char="•"/>
+            </a:pPr>
+            <a:r>
+              <a:rPr lang="en-US" sz="2400" dirty="0" smtClean="0"/>
+              <a:t>Libraries</a:t>
+            </a:r>
+          </a:p>
+          <a:p>
+            <a:pPr marL="647700" indent="-457200" rtl="1">
               <a:buFont typeface="Arial"/>
               <a:buChar char="•"/>
             </a:pPr>
             <a:r>
               <a:rPr lang="en-US" sz="2400" dirty="0" err="1" smtClean="0"/>
-              <a:t>LogCat</a:t>
-            </a:r>
-            <a:endParaRPr lang="en-US" sz="2400" dirty="0" smtClean="0"/>
-          </a:p>
-          <a:p>
-            <a:pPr marL="647700" lvl="0" indent="-457200" rtl="1">
-              <a:buFont typeface="Arial"/>
-              <a:buChar char="•"/>
-            </a:pPr>
+              <a:t>Dalvik</a:t>
+            </a:r>
             <a:r>
               <a:rPr lang="en-US" sz="2400" dirty="0" smtClean="0"/>
-              <a:t>Running App</a:t>
-            </a:r>
-          </a:p>
-          <a:p>
-            <a:pPr marL="647700" lvl="0" indent="-457200" rtl="1">
+              <a:t> VM – </a:t>
+            </a:r>
+            <a:r>
+              <a:rPr lang="en-US" sz="2400" dirty="0" err="1" smtClean="0"/>
+              <a:t>dex</a:t>
+            </a:r>
+            <a:endParaRPr lang="en-US" sz="2400" dirty="0" smtClean="0"/>
+          </a:p>
+          <a:p>
+            <a:pPr marL="647700" indent="-457200" rtl="1">
+              <a:buFont typeface="Arial"/>
+              <a:buChar char="•"/>
+            </a:pPr>
+            <a:r>
+              <a:rPr lang="en-US" sz="2400" dirty="0" smtClean="0">
+                <a:hlinkClick r:id="rId3"/>
+              </a:rPr>
+              <a:t>ART in 4.4 (KitKat)</a:t>
+            </a:r>
+            <a:endParaRPr lang="en-US" sz="2400" dirty="0" smtClean="0"/>
+          </a:p>
+          <a:p>
+            <a:pPr marL="647700" indent="-457200" rtl="1">
               <a:buFont typeface="Arial"/>
               <a:buChar char="•"/>
             </a:pPr>
             <a:r>
               <a:rPr lang="en-US" sz="2400" dirty="0" smtClean="0"/>
-              <a:t>Debugging</a:t>
-            </a:r>
-          </a:p>
-          <a:p>
-            <a:pPr marL="647700" lvl="0" indent="-457200" rtl="1">
-              <a:buFont typeface="Arial"/>
-              <a:buChar char="•"/>
-            </a:pPr>
+              <a:t>Is it Java (JSE)?</a:t>
+            </a:r>
+          </a:p>
+          <a:p>
+            <a:pPr marL="647700" indent="-457200" rtl="1">
+              <a:buFont typeface="Arial"/>
+              <a:buChar char="•"/>
+            </a:pPr>
+            <a:r>
+              <a:rPr lang="en-US" sz="2400" dirty="0" smtClean="0"/>
+              <a:t>Libraries</a:t>
+            </a:r>
+          </a:p>
+          <a:p>
+            <a:pPr marL="647700" indent="-457200" rtl="1">
+              <a:buFont typeface="Arial"/>
+              <a:buChar char="•"/>
+            </a:pPr>
+            <a:r>
+              <a:rPr lang="en-US" sz="2400" dirty="0" smtClean="0"/>
+              <a:t>Open Source!</a:t>
+            </a:r>
+            <a:endParaRPr lang="en-US" dirty="0" smtClean="0"/>
+          </a:p>
+          <a:p>
+            <a:pPr marL="1047750" lvl="1" indent="-457200" rtl="1">
+              <a:buFont typeface="Arial"/>
+              <a:buChar char="•"/>
+            </a:pPr>
+            <a:endParaRPr lang="en-US" sz="1800" dirty="0"/>
+          </a:p>
+          <a:p>
+            <a:pPr marL="1047750" lvl="1" indent="-457200" rtl="1">
+              <a:buFont typeface="Arial"/>
+              <a:buChar char="•"/>
+            </a:pPr>
+            <a:endParaRPr lang="en-US" sz="1800" dirty="0" smtClean="0"/>
+          </a:p>
+          <a:p>
+            <a:pPr marL="647700" lvl="0" indent="-457200" rtl="1">
+              <a:buFont typeface="Arial"/>
+              <a:buChar char="•"/>
+            </a:pPr>
+            <a:endParaRPr lang="en-US" sz="2600" dirty="0" smtClean="0"/>
+          </a:p>
+          <a:p>
+            <a:pPr marL="590550" lvl="1" indent="0" rtl="1"/>
+            <a:endParaRPr lang="en-US" sz="2000" dirty="0" smtClean="0"/>
+          </a:p>
+          <a:p>
+            <a:pPr marL="1047750" lvl="1" indent="-457200" rtl="1">
+              <a:buFont typeface="Arial"/>
+              <a:buChar char="•"/>
+            </a:pPr>
+            <a:endParaRPr lang="en-US" sz="2000" dirty="0" smtClean="0"/>
+          </a:p>
+          <a:p>
+            <a:pPr marL="1047750" lvl="1" indent="-457200" rtl="1">
+              <a:buFont typeface="Arial"/>
+              <a:buChar char="•"/>
+            </a:pPr>
+            <a:endParaRPr lang="en-US" sz="2000" dirty="0" smtClean="0"/>
+          </a:p>
+          <a:p>
+            <a:pPr marL="647700" lvl="0" indent="-457200" rtl="1">
+              <a:buFont typeface="Arial"/>
+              <a:buChar char="•"/>
+            </a:pPr>
+            <a:endParaRPr lang="en-US" sz="2400" dirty="0" smtClean="0"/>
+          </a:p>
+          <a:p>
+            <a:pPr marL="190500" lvl="0" indent="0" rtl="1"/>
             <a:endParaRPr lang="en-US" sz="2400" dirty="0" smtClean="0"/>
           </a:p>
           <a:p>
@@ -7198,22 +7275,22 @@
       </p:sp>
       <p:pic>
         <p:nvPicPr>
-          <p:cNvPr id="2" name="Picture 1"/>
+          <p:cNvPr id="4" name="Picture 3"/>
           <p:cNvPicPr>
             <a:picLocks noChangeAspect="1"/>
           </p:cNvPicPr>
           <p:nvPr/>
         </p:nvPicPr>
         <p:blipFill>
-          <a:blip r:embed="rId3"/>
+          <a:blip r:embed="rId4"/>
           <a:stretch>
             <a:fillRect/>
           </a:stretch>
         </p:blipFill>
         <p:spPr>
           <a:xfrm>
-            <a:off x="3402481" y="3324211"/>
-            <a:ext cx="5741520" cy="1819289"/>
+            <a:off x="5410535" y="1981412"/>
+            <a:ext cx="3365500" cy="2413000"/>
           </a:xfrm>
           <a:prstGeom prst="rect">
             <a:avLst/>
@@ -7223,7 +7300,7 @@
     </p:spTree>
     <p:extLst>
       <p:ext uri="{BB962C8B-B14F-4D97-AF65-F5344CB8AC3E}">
-        <p14:creationId xmlns:p14="http://schemas.microsoft.com/office/powerpoint/2010/main" val="3581409582"/>
+        <p14:creationId xmlns:p14="http://schemas.microsoft.com/office/powerpoint/2010/main" val="3067473636"/>
       </p:ext>
     </p:extLst>
   </p:cSld>
@@ -7290,7 +7367,7 @@
             </a:pPr>
             <a:r>
               <a:rPr lang="en-US" dirty="0" smtClean="0"/>
-              <a:t>Project Structure</a:t>
+              <a:t>Eclipse and Android SDK</a:t>
             </a:r>
             <a:endParaRPr lang="en" dirty="0"/>
           </a:p>
@@ -7327,8 +7404,39 @@
             </a:pPr>
             <a:r>
               <a:rPr lang="en-US" sz="2800" dirty="0" smtClean="0"/>
-              <a:t>Manifest File</a:t>
-            </a:r>
+              <a:t>DDMS perspective</a:t>
+            </a:r>
+          </a:p>
+          <a:p>
+            <a:pPr marL="647700" lvl="0" indent="-457200" rtl="1">
+              <a:buFont typeface="Arial"/>
+              <a:buChar char="•"/>
+            </a:pPr>
+            <a:r>
+              <a:rPr lang="en-US" sz="2800" dirty="0" smtClean="0"/>
+              <a:t>Android SDK </a:t>
+            </a:r>
+          </a:p>
+          <a:p>
+            <a:pPr marL="647700" lvl="0" indent="-457200" rtl="1">
+              <a:buFont typeface="Arial"/>
+              <a:buChar char="•"/>
+            </a:pPr>
+            <a:r>
+              <a:rPr lang="en-US" sz="2800" dirty="0" smtClean="0"/>
+              <a:t>Devices – API Level</a:t>
+            </a:r>
+          </a:p>
+          <a:p>
+            <a:pPr marL="647700" lvl="0" indent="-457200" rtl="1">
+              <a:buFont typeface="Arial"/>
+              <a:buChar char="•"/>
+            </a:pPr>
+            <a:r>
+              <a:rPr lang="en-US" sz="2400" dirty="0" err="1" smtClean="0"/>
+              <a:t>LogCat</a:t>
+            </a:r>
+            <a:endParaRPr lang="en-US" sz="2400" dirty="0" smtClean="0"/>
           </a:p>
           <a:p>
             <a:pPr marL="647700" lvl="0" indent="-457200" rtl="1">
@@ -7337,7 +7445,7 @@
             </a:pPr>
             <a:r>
               <a:rPr lang="en-US" sz="2400" dirty="0" smtClean="0"/>
-              <a:t>Assets</a:t>
+              <a:t>Running App</a:t>
             </a:r>
           </a:p>
           <a:p>
@@ -7347,95 +7455,14 @@
             </a:pPr>
             <a:r>
               <a:rPr lang="en-US" sz="2400" dirty="0" smtClean="0"/>
-              <a:t>Bin &amp; </a:t>
-            </a:r>
-            <a:r>
-              <a:rPr lang="en-US" sz="2400" dirty="0" err="1" smtClean="0"/>
-              <a:t>Dex</a:t>
-            </a:r>
-            <a:endParaRPr lang="en-US" sz="2400" dirty="0" smtClean="0"/>
-          </a:p>
-          <a:p>
-            <a:pPr marL="647700" lvl="0" indent="-457200" rtl="1">
-              <a:buFont typeface="Arial"/>
-              <a:buChar char="•"/>
-            </a:pPr>
-            <a:r>
-              <a:rPr lang="en-US" sz="2400" dirty="0" smtClean="0"/>
-              <a:t>Generated code (gen </a:t>
-            </a:r>
-            <a:r>
-              <a:rPr lang="en-US" sz="2400" dirty="0" err="1" smtClean="0"/>
-              <a:t>dir</a:t>
-            </a:r>
-            <a:r>
-              <a:rPr lang="en-US" sz="2400" dirty="0" smtClean="0"/>
-              <a:t>)</a:t>
-            </a:r>
-          </a:p>
-          <a:p>
-            <a:pPr marL="647700" lvl="0" indent="-457200" rtl="1">
-              <a:buFont typeface="Arial"/>
-              <a:buChar char="•"/>
-            </a:pPr>
-            <a:r>
-              <a:rPr lang="en-US" sz="2400" dirty="0" smtClean="0"/>
-              <a:t>Resources  </a:t>
-            </a:r>
-          </a:p>
-          <a:p>
-            <a:pPr marL="1047750" lvl="1" indent="-457200" rtl="1">
-              <a:buFont typeface="Arial"/>
-              <a:buChar char="•"/>
-            </a:pPr>
-            <a:r>
-              <a:rPr lang="en-US" sz="1800" dirty="0" err="1" smtClean="0"/>
-              <a:t>drawables</a:t>
-            </a:r>
-            <a:r>
-              <a:rPr lang="en-US" sz="1800" dirty="0" smtClean="0"/>
-              <a:t> (resolutions)</a:t>
-            </a:r>
-          </a:p>
-          <a:p>
-            <a:pPr marL="1047750" lvl="1" indent="-457200" rtl="1">
-              <a:buFont typeface="Arial"/>
-              <a:buChar char="•"/>
-            </a:pPr>
-            <a:r>
-              <a:rPr lang="en-US" sz="1800" dirty="0" smtClean="0"/>
-              <a:t>Menu</a:t>
-            </a:r>
-          </a:p>
-          <a:p>
-            <a:pPr marL="1047750" lvl="1" indent="-457200" rtl="1">
-              <a:buFont typeface="Arial"/>
-              <a:buChar char="•"/>
-            </a:pPr>
-            <a:r>
-              <a:rPr lang="en-US" sz="1800" dirty="0" smtClean="0"/>
-              <a:t>Values</a:t>
-            </a:r>
-          </a:p>
-          <a:p>
-            <a:pPr marL="1047750" lvl="1" indent="-457200" rtl="1">
-              <a:buFont typeface="Arial"/>
-              <a:buChar char="•"/>
-            </a:pPr>
-            <a:r>
-              <a:rPr lang="en-US" sz="1800" dirty="0" smtClean="0"/>
-              <a:t>Layouts</a:t>
-            </a:r>
-          </a:p>
-          <a:p>
-            <a:pPr marL="647700" lvl="0" indent="-457200" rtl="1">
-              <a:buFont typeface="Arial"/>
-              <a:buChar char="•"/>
-            </a:pPr>
-            <a:endParaRPr lang="en-US" sz="2400" dirty="0" smtClean="0"/>
-          </a:p>
-          <a:p>
-            <a:pPr marL="190500" lvl="0" indent="0" rtl="1"/>
+              <a:t>Debugging</a:t>
+            </a:r>
+          </a:p>
+          <a:p>
+            <a:pPr marL="647700" lvl="0" indent="-457200" rtl="1">
+              <a:buFont typeface="Arial"/>
+              <a:buChar char="•"/>
+            </a:pPr>
             <a:endParaRPr lang="en-US" sz="2400" dirty="0" smtClean="0"/>
           </a:p>
           <a:p>
@@ -7544,7 +7571,7 @@
       </p:sp>
       <p:pic>
         <p:nvPicPr>
-          <p:cNvPr id="3" name="Picture 2"/>
+          <p:cNvPr id="2" name="Picture 1"/>
           <p:cNvPicPr>
             <a:picLocks noChangeAspect="1"/>
           </p:cNvPicPr>
@@ -7558,8 +7585,8 @@
         </p:blipFill>
         <p:spPr>
           <a:xfrm>
-            <a:off x="5752548" y="1219827"/>
-            <a:ext cx="3129973" cy="3923673"/>
+            <a:off x="3402481" y="3324211"/>
+            <a:ext cx="5741520" cy="1819289"/>
           </a:xfrm>
           <a:prstGeom prst="rect">
             <a:avLst/>
@@ -7569,7 +7596,7 @@
     </p:spTree>
     <p:extLst>
       <p:ext uri="{BB962C8B-B14F-4D97-AF65-F5344CB8AC3E}">
-        <p14:creationId xmlns:p14="http://schemas.microsoft.com/office/powerpoint/2010/main" val="2793413522"/>
+        <p14:creationId xmlns:p14="http://schemas.microsoft.com/office/powerpoint/2010/main" val="3581409582"/>
       </p:ext>
     </p:extLst>
   </p:cSld>
@@ -7636,7 +7663,7 @@
             </a:pPr>
             <a:r>
               <a:rPr lang="en-US" dirty="0" smtClean="0"/>
-              <a:t>Activities VS Fragments +</a:t>
+              <a:t>Project Structure</a:t>
             </a:r>
             <a:endParaRPr lang="en" dirty="0"/>
           </a:p>
@@ -7672,10 +7699,19 @@
               <a:buChar char="•"/>
             </a:pPr>
             <a:r>
+              <a:rPr lang="en-US" sz="2800" dirty="0" smtClean="0"/>
+              <a:t>Manifest File</a:t>
+            </a:r>
+          </a:p>
+          <a:p>
+            <a:pPr marL="647700" lvl="0" indent="-457200" rtl="1">
+              <a:buFont typeface="Arial"/>
+              <a:buChar char="•"/>
+            </a:pPr>
+            <a:r>
               <a:rPr lang="en-US" sz="2400" dirty="0" smtClean="0"/>
-              <a:t>Application class</a:t>
-            </a:r>
-            <a:endParaRPr lang="en-US" sz="2400" dirty="0" smtClean="0"/>
+              <a:t>Assets</a:t>
+            </a:r>
           </a:p>
           <a:p>
             <a:pPr marL="647700" lvl="0" indent="-457200" rtl="1">
@@ -7684,26 +7720,30 @@
             </a:pPr>
             <a:r>
               <a:rPr lang="en-US" sz="2400" dirty="0" smtClean="0"/>
-              <a:t>Activity </a:t>
+              <a:t>Bin &amp; </a:t>
             </a:r>
             <a:r>
               <a:rPr lang="en-US" sz="2400" dirty="0" err="1" smtClean="0"/>
-              <a:t>LifeCycle</a:t>
-            </a:r>
+              <a:t>Dex</a:t>
+            </a:r>
+            <a:endParaRPr lang="en-US" sz="2400" dirty="0" smtClean="0"/>
+          </a:p>
+          <a:p>
+            <a:pPr marL="647700" lvl="0" indent="-457200" rtl="1">
+              <a:buFont typeface="Arial"/>
+              <a:buChar char="•"/>
+            </a:pPr>
             <a:r>
               <a:rPr lang="en-US" sz="2400" dirty="0" smtClean="0"/>
-              <a:t> and Intents</a:t>
-            </a:r>
-            <a:endParaRPr lang="en-US" sz="2400" dirty="0" smtClean="0"/>
-          </a:p>
-          <a:p>
-            <a:pPr marL="647700" lvl="0" indent="-457200" rtl="1">
-              <a:buFont typeface="Arial"/>
-              <a:buChar char="•"/>
-            </a:pPr>
+              <a:t>Generated code (gen </a:t>
+            </a:r>
+            <a:r>
+              <a:rPr lang="en-US" sz="2400" dirty="0" err="1" smtClean="0"/>
+              <a:t>dir</a:t>
+            </a:r>
             <a:r>
               <a:rPr lang="en-US" sz="2400" dirty="0" smtClean="0"/>
-              <a:t>Fragment usage and “transaction”</a:t>
+              <a:t>)</a:t>
             </a:r>
           </a:p>
           <a:p>
@@ -7713,7 +7753,7 @@
             </a:pPr>
             <a:r>
               <a:rPr lang="en-US" sz="2400" dirty="0" smtClean="0"/>
-              <a:t>Fragments advantages:</a:t>
+              <a:t>Resources  </a:t>
             </a:r>
           </a:p>
           <a:p>
@@ -7722,12 +7762,13 @@
               <a:buChar char="•"/>
             </a:pPr>
             <a:r>
-              <a:rPr lang="en-US" sz="2000" dirty="0" smtClean="0">
-                <a:hlinkClick r:id="rId3"/>
-              </a:rPr>
-              <a:t>Tablet (landscape) support</a:t>
-            </a:r>
-            <a:endParaRPr lang="en-US" sz="2000" dirty="0" smtClean="0"/>
+              <a:rPr lang="en-US" sz="1800" dirty="0" err="1" smtClean="0"/>
+              <a:t>drawables</a:t>
+            </a:r>
+            <a:r>
+              <a:rPr lang="en-US" sz="1800" dirty="0" smtClean="0"/>
+              <a:t> (resolutions)</a:t>
+            </a:r>
           </a:p>
           <a:p>
             <a:pPr marL="1047750" lvl="1" indent="-457200" rtl="1">
@@ -7735,8 +7776,8 @@
               <a:buChar char="•"/>
             </a:pPr>
             <a:r>
-              <a:rPr lang="en-US" sz="2000" dirty="0" smtClean="0"/>
-              <a:t>Action Bar</a:t>
+              <a:rPr lang="en-US" sz="1800" dirty="0" smtClean="0"/>
+              <a:t>Menu</a:t>
             </a:r>
           </a:p>
           <a:p>
@@ -7745,8 +7786,8 @@
               <a:buChar char="•"/>
             </a:pPr>
             <a:r>
-              <a:rPr lang="en-US" sz="2000" dirty="0" smtClean="0"/>
-              <a:t>Smart back (last fragment state)</a:t>
+              <a:rPr lang="en-US" sz="1800" dirty="0" smtClean="0"/>
+              <a:t>Values</a:t>
             </a:r>
           </a:p>
           <a:p>
@@ -7755,51 +7796,9 @@
               <a:buChar char="•"/>
             </a:pPr>
             <a:r>
-              <a:rPr lang="en-US" sz="2000" dirty="0" smtClean="0">
-                <a:hlinkClick r:id="rId4"/>
-              </a:rPr>
-              <a:t>View Pager </a:t>
-            </a:r>
-            <a:r>
-              <a:rPr lang="en-US" sz="2000" dirty="0" smtClean="0"/>
-              <a:t>(swipe)</a:t>
-            </a:r>
-          </a:p>
-          <a:p>
-            <a:pPr marL="647700" indent="-457200" rtl="1">
-              <a:buFont typeface="Arial"/>
-              <a:buChar char="•"/>
-            </a:pPr>
-            <a:r>
-              <a:rPr lang="en-US" sz="2600" dirty="0" smtClean="0"/>
-              <a:t>Services, </a:t>
-            </a:r>
-            <a:r>
-              <a:rPr lang="en-US" sz="2600" dirty="0" err="1" smtClean="0"/>
-              <a:t>Recievers</a:t>
-            </a:r>
-            <a:r>
-              <a:rPr lang="en-US" sz="2600" dirty="0" smtClean="0"/>
-              <a:t>, and Providers</a:t>
-            </a:r>
-          </a:p>
-          <a:p>
-            <a:pPr marL="590550" lvl="1" indent="0" rtl="1"/>
-            <a:endParaRPr lang="en-US" sz="2000" dirty="0" smtClean="0"/>
-          </a:p>
-          <a:p>
-            <a:pPr marL="1047750" lvl="1" indent="-457200" rtl="1">
-              <a:buFont typeface="Arial"/>
-              <a:buChar char="•"/>
-            </a:pPr>
-            <a:endParaRPr lang="en-US" sz="2000" dirty="0" smtClean="0"/>
-          </a:p>
-          <a:p>
-            <a:pPr marL="1047750" lvl="1" indent="-457200" rtl="1">
-              <a:buFont typeface="Arial"/>
-              <a:buChar char="•"/>
-            </a:pPr>
-            <a:endParaRPr lang="en-US" sz="2000" dirty="0" smtClean="0"/>
+              <a:rPr lang="en-US" sz="1800" dirty="0" smtClean="0"/>
+              <a:t>Layouts</a:t>
+            </a:r>
           </a:p>
           <a:p>
             <a:pPr marL="647700" lvl="0" indent="-457200" rtl="1">
@@ -7918,22 +7917,22 @@
       </p:sp>
       <p:pic>
         <p:nvPicPr>
-          <p:cNvPr id="2" name="Picture 1"/>
+          <p:cNvPr id="3" name="Picture 2"/>
           <p:cNvPicPr>
             <a:picLocks noChangeAspect="1"/>
           </p:cNvPicPr>
           <p:nvPr/>
         </p:nvPicPr>
         <p:blipFill>
-          <a:blip r:embed="rId5"/>
+          <a:blip r:embed="rId3"/>
           <a:stretch>
             <a:fillRect/>
           </a:stretch>
         </p:blipFill>
         <p:spPr>
           <a:xfrm>
-            <a:off x="5531680" y="2452695"/>
-            <a:ext cx="3612320" cy="1965461"/>
+            <a:off x="5752548" y="1219827"/>
+            <a:ext cx="3129973" cy="3923673"/>
           </a:xfrm>
           <a:prstGeom prst="rect">
             <a:avLst/>
@@ -7943,7 +7942,7 @@
     </p:spTree>
     <p:extLst>
       <p:ext uri="{BB962C8B-B14F-4D97-AF65-F5344CB8AC3E}">
-        <p14:creationId xmlns:p14="http://schemas.microsoft.com/office/powerpoint/2010/main" val="429405452"/>
+        <p14:creationId xmlns:p14="http://schemas.microsoft.com/office/powerpoint/2010/main" val="2793413522"/>
       </p:ext>
     </p:extLst>
   </p:cSld>
@@ -8005,12 +8004,14 @@
           </a:bodyPr>
           <a:lstStyle/>
           <a:p>
-            <a:pPr marL="647700" lvl="0" indent="-457200" algn="ctr" rtl="1"/>
+            <a:pPr marL="457200" indent="0" algn="ctr">
+              <a:buNone/>
+            </a:pPr>
             <a:r>
               <a:rPr lang="en-US" dirty="0" smtClean="0"/>
-              <a:t>Architecture</a:t>
-            </a:r>
-            <a:endParaRPr lang="en-US" dirty="0"/>
+              <a:t>Activities VS Fragments +</a:t>
+            </a:r>
+            <a:endParaRPr lang="en" dirty="0"/>
           </a:p>
         </p:txBody>
       </p:sp>
@@ -8039,53 +8040,17 @@
           </a:bodyPr>
           <a:lstStyle/>
           <a:p>
-            <a:pPr marL="647700" indent="-457200" rtl="1">
-              <a:buFont typeface="Arial"/>
-              <a:buChar char="•"/>
-            </a:pPr>
-            <a:endParaRPr lang="en-US" sz="2400" dirty="0" smtClean="0"/>
-          </a:p>
-          <a:p>
-            <a:pPr marL="647700" indent="-457200" rtl="1">
+            <a:pPr marL="647700" lvl="0" indent="-457200" rtl="1">
               <a:buFont typeface="Arial"/>
               <a:buChar char="•"/>
             </a:pPr>
             <a:r>
               <a:rPr lang="en-US" sz="2400" dirty="0" smtClean="0"/>
-              <a:t>Linux</a:t>
-            </a:r>
-          </a:p>
-          <a:p>
-            <a:pPr marL="647700" indent="-457200" rtl="1">
-              <a:buFont typeface="Arial"/>
-              <a:buChar char="•"/>
-            </a:pPr>
-            <a:r>
-              <a:rPr lang="en-US" sz="2400" dirty="0" smtClean="0"/>
-              <a:t>Libraries</a:t>
-            </a:r>
-          </a:p>
-          <a:p>
-            <a:pPr marL="647700" indent="-457200" rtl="1">
-              <a:buFont typeface="Arial"/>
-              <a:buChar char="•"/>
-            </a:pPr>
-            <a:r>
-              <a:rPr lang="en-US" sz="2400" dirty="0" err="1" smtClean="0"/>
-              <a:t>Dalvik</a:t>
-            </a:r>
-            <a:r>
-              <a:rPr lang="en-US" sz="2400" dirty="0" smtClean="0"/>
-              <a:t> VM – </a:t>
-            </a:r>
-            <a:r>
-              <a:rPr lang="en-US" sz="2400" dirty="0" err="1" smtClean="0"/>
-              <a:t>dex</a:t>
-            </a:r>
-            <a:endParaRPr lang="en-US" sz="2400" dirty="0" smtClean="0"/>
-          </a:p>
-          <a:p>
-            <a:pPr marL="647700" indent="-457200" rtl="1">
+              <a:t>Application class</a:t>
+            </a:r>
+          </a:p>
+          <a:p>
+            <a:pPr marL="647700" lvl="0" indent="-457200" rtl="1">
               <a:buFont typeface="Arial"/>
               <a:buChar char="•"/>
             </a:pPr>
@@ -8093,9 +8058,93 @@
               <a:rPr lang="en-US" sz="2400" dirty="0" smtClean="0">
                 <a:hlinkClick r:id="rId3"/>
               </a:rPr>
-              <a:t>ART in 4.4 (KitKat)</a:t>
-            </a:r>
-            <a:endParaRPr lang="en-US" sz="2400" dirty="0" smtClean="0"/>
+              <a:t>Activity </a:t>
+            </a:r>
+            <a:r>
+              <a:rPr lang="en-US" sz="2400" dirty="0" err="1" smtClean="0">
+                <a:hlinkClick r:id="rId3"/>
+              </a:rPr>
+              <a:t>LifeCycle</a:t>
+            </a:r>
+            <a:r>
+              <a:rPr lang="en-US" sz="2400" dirty="0" smtClean="0">
+                <a:hlinkClick r:id="rId3"/>
+              </a:rPr>
+              <a:t> and Intents</a:t>
+            </a:r>
+            <a:endParaRPr lang="en-US" sz="2400" dirty="0" smtClean="0"/>
+          </a:p>
+          <a:p>
+            <a:pPr marL="647700" lvl="0" indent="-457200" rtl="1">
+              <a:buFont typeface="Arial"/>
+              <a:buChar char="•"/>
+            </a:pPr>
+            <a:r>
+              <a:rPr lang="en-US" sz="2400" dirty="0" smtClean="0">
+                <a:hlinkClick r:id="rId4"/>
+              </a:rPr>
+              <a:t>Fragment usage and “transaction”</a:t>
+            </a:r>
+            <a:endParaRPr lang="en-US" sz="2400" dirty="0" smtClean="0"/>
+          </a:p>
+          <a:p>
+            <a:pPr marL="647700" lvl="0" indent="-457200" rtl="1">
+              <a:buFont typeface="Arial"/>
+              <a:buChar char="•"/>
+            </a:pPr>
+            <a:r>
+              <a:rPr lang="en-US" sz="2400" dirty="0" smtClean="0"/>
+              <a:t>Fragments advantages:</a:t>
+            </a:r>
+          </a:p>
+          <a:p>
+            <a:pPr marL="1047750" lvl="1" indent="-457200" rtl="1">
+              <a:buFont typeface="Arial"/>
+              <a:buChar char="•"/>
+            </a:pPr>
+            <a:r>
+              <a:rPr lang="en-US" sz="2000" dirty="0" smtClean="0">
+                <a:hlinkClick r:id="rId5"/>
+              </a:rPr>
+              <a:t>Tablet (landscape) support</a:t>
+            </a:r>
+            <a:endParaRPr lang="en-US" sz="2000" dirty="0" smtClean="0"/>
+          </a:p>
+          <a:p>
+            <a:pPr marL="1047750" lvl="1" indent="-457200" rtl="1">
+              <a:buFont typeface="Arial"/>
+              <a:buChar char="•"/>
+            </a:pPr>
+            <a:r>
+              <a:rPr lang="en-US" sz="2000" dirty="0" smtClean="0"/>
+              <a:t>Action Bar</a:t>
+            </a:r>
+          </a:p>
+          <a:p>
+            <a:pPr marL="1047750" lvl="1" indent="-457200" rtl="1">
+              <a:buFont typeface="Arial"/>
+              <a:buChar char="•"/>
+            </a:pPr>
+            <a:r>
+              <a:rPr lang="en-US" sz="2000" dirty="0" smtClean="0"/>
+              <a:t>Smart back (last fragment state)</a:t>
+            </a:r>
+          </a:p>
+          <a:p>
+            <a:pPr marL="1047750" lvl="1" indent="-457200" rtl="1">
+              <a:buFont typeface="Arial"/>
+              <a:buChar char="•"/>
+            </a:pPr>
+            <a:r>
+              <a:rPr lang="en-US" sz="2000" dirty="0" smtClean="0">
+                <a:hlinkClick r:id="rId6"/>
+              </a:rPr>
+              <a:t>View Pager </a:t>
+            </a:r>
+            <a:r>
+              <a:rPr lang="en-US" sz="2000" dirty="0" smtClean="0"/>
+              <a:t>(swipe)</a:t>
+            </a:r>
           </a:p>
           <a:p>
             <a:pPr marL="647700" indent="-457200" rtl="1">
@@ -8103,41 +8152,17 @@
               <a:buChar char="•"/>
             </a:pPr>
             <a:r>
-              <a:rPr lang="en-US" sz="2400" dirty="0" smtClean="0"/>
-              <a:t>Is it Java (JSE)?</a:t>
-            </a:r>
-          </a:p>
-          <a:p>
-            <a:pPr marL="647700" indent="-457200" rtl="1">
-              <a:buFont typeface="Arial"/>
-              <a:buChar char="•"/>
-            </a:pPr>
-            <a:r>
-              <a:rPr lang="en-US" sz="2400" dirty="0" smtClean="0"/>
-              <a:t>Libraries</a:t>
-            </a:r>
-            <a:endParaRPr lang="en-US" dirty="0" smtClean="0"/>
-          </a:p>
-          <a:p>
-            <a:pPr marL="1047750" lvl="1" indent="-457200" rtl="1">
-              <a:buFont typeface="Arial"/>
-              <a:buChar char="•"/>
-            </a:pPr>
-            <a:endParaRPr lang="en-US" sz="1800" dirty="0"/>
-          </a:p>
-          <a:p>
-            <a:pPr marL="1047750" lvl="1" indent="-457200" rtl="1">
-              <a:buFont typeface="Arial"/>
-              <a:buChar char="•"/>
-            </a:pPr>
-            <a:endParaRPr lang="en-US" sz="1800" dirty="0" smtClean="0"/>
-          </a:p>
-          <a:p>
-            <a:pPr marL="647700" lvl="0" indent="-457200" rtl="1">
-              <a:buFont typeface="Arial"/>
-              <a:buChar char="•"/>
-            </a:pPr>
-            <a:endParaRPr lang="en-US" sz="2600" dirty="0" smtClean="0"/>
+              <a:rPr lang="en-US" sz="2600" dirty="0" smtClean="0"/>
+              <a:t>Services, </a:t>
+            </a:r>
+            <a:r>
+              <a:rPr lang="en-US" sz="2600" dirty="0" err="1" smtClean="0"/>
+              <a:t>Recievers</a:t>
+            </a:r>
+            <a:r>
+              <a:rPr lang="en-US" sz="2600" dirty="0" smtClean="0"/>
+              <a:t>, and Providers</a:t>
+            </a:r>
           </a:p>
           <a:p>
             <a:pPr marL="590550" lvl="1" indent="0" rtl="1"/>
@@ -8274,22 +8299,22 @@
       </p:sp>
       <p:pic>
         <p:nvPicPr>
-          <p:cNvPr id="4" name="Picture 3"/>
+          <p:cNvPr id="2" name="Picture 1"/>
           <p:cNvPicPr>
             <a:picLocks noChangeAspect="1"/>
           </p:cNvPicPr>
           <p:nvPr/>
         </p:nvPicPr>
         <p:blipFill>
-          <a:blip r:embed="rId4"/>
+          <a:blip r:embed="rId7"/>
           <a:stretch>
             <a:fillRect/>
           </a:stretch>
         </p:blipFill>
         <p:spPr>
           <a:xfrm>
-            <a:off x="5410535" y="1981412"/>
-            <a:ext cx="3365500" cy="2413000"/>
+            <a:off x="5531680" y="2452695"/>
+            <a:ext cx="3612320" cy="1965461"/>
           </a:xfrm>
           <a:prstGeom prst="rect">
             <a:avLst/>
@@ -8299,7 +8324,7 @@
     </p:spTree>
     <p:extLst>
       <p:ext uri="{BB962C8B-B14F-4D97-AF65-F5344CB8AC3E}">
-        <p14:creationId xmlns:p14="http://schemas.microsoft.com/office/powerpoint/2010/main" val="3067473636"/>
+        <p14:creationId xmlns:p14="http://schemas.microsoft.com/office/powerpoint/2010/main" val="429405452"/>
       </p:ext>
     </p:extLst>
   </p:cSld>
